--- a/docs/docs_I_made/slides/EaCoN.pptx
+++ b/docs/docs_I_made/slides/EaCoN.pptx
@@ -863,7 +863,7 @@
             <a:fld id="{B61BEF0D-F0BB-DE4B-95CE-6DB70DBA9567}" type="datetimeFigureOut">
               <a:rPr lang="en-US" smtClean="0"/>
               <a:pPr/>
-              <a:t>3/23/2022</a:t>
+              <a:t>4/4/2022</a:t>
             </a:fld>
             <a:endParaRPr lang="en-US" dirty="0"/>
           </a:p>
@@ -1116,7 +1116,7 @@
             <a:fld id="{B61BEF0D-F0BB-DE4B-95CE-6DB70DBA9567}" type="datetimeFigureOut">
               <a:rPr lang="en-US" smtClean="0"/>
               <a:pPr/>
-              <a:t>3/23/2022</a:t>
+              <a:t>4/4/2022</a:t>
             </a:fld>
             <a:endParaRPr lang="en-US" dirty="0"/>
           </a:p>
@@ -1432,7 +1432,7 @@
             <a:fld id="{B61BEF0D-F0BB-DE4B-95CE-6DB70DBA9567}" type="datetimeFigureOut">
               <a:rPr lang="en-US" smtClean="0"/>
               <a:pPr/>
-              <a:t>3/23/2022</a:t>
+              <a:t>4/4/2022</a:t>
             </a:fld>
             <a:endParaRPr lang="en-US" dirty="0"/>
           </a:p>
@@ -1767,7 +1767,7 @@
             <a:fld id="{B61BEF0D-F0BB-DE4B-95CE-6DB70DBA9567}" type="datetimeFigureOut">
               <a:rPr lang="en-US" smtClean="0"/>
               <a:pPr/>
-              <a:t>3/23/2022</a:t>
+              <a:t>4/4/2022</a:t>
             </a:fld>
             <a:endParaRPr lang="en-US" dirty="0"/>
           </a:p>
@@ -2083,7 +2083,7 @@
             <a:fld id="{B61BEF0D-F0BB-DE4B-95CE-6DB70DBA9567}" type="datetimeFigureOut">
               <a:rPr lang="en-US" smtClean="0"/>
               <a:pPr/>
-              <a:t>3/23/2022</a:t>
+              <a:t>4/4/2022</a:t>
             </a:fld>
             <a:endParaRPr lang="en-US" dirty="0"/>
           </a:p>
@@ -2478,7 +2478,7 @@
             <a:fld id="{B61BEF0D-F0BB-DE4B-95CE-6DB70DBA9567}" type="datetimeFigureOut">
               <a:rPr lang="en-US" smtClean="0"/>
               <a:pPr/>
-              <a:t>3/23/2022</a:t>
+              <a:t>4/4/2022</a:t>
             </a:fld>
             <a:endParaRPr lang="en-US" dirty="0"/>
           </a:p>
@@ -2649,7 +2649,7 @@
           <a:p>
             <a:fld id="{55C6B4A9-1611-4792-9094-5F34BCA07E0B}" type="datetimeFigureOut">
               <a:rPr lang="en-US" smtClean="0"/>
-              <a:t>3/23/2022</a:t>
+              <a:t>4/4/2022</a:t>
             </a:fld>
             <a:endParaRPr lang="en-US" dirty="0"/>
           </a:p>
@@ -2830,7 +2830,7 @@
             <a:fld id="{B61BEF0D-F0BB-DE4B-95CE-6DB70DBA9567}" type="datetimeFigureOut">
               <a:rPr lang="en-US" smtClean="0"/>
               <a:pPr/>
-              <a:t>3/23/2022</a:t>
+              <a:t>4/4/2022</a:t>
             </a:fld>
             <a:endParaRPr lang="en-US" dirty="0"/>
           </a:p>
@@ -3002,7 +3002,7 @@
             <a:fld id="{B61BEF0D-F0BB-DE4B-95CE-6DB70DBA9567}" type="datetimeFigureOut">
               <a:rPr lang="en-US" smtClean="0"/>
               <a:pPr/>
-              <a:t>3/23/2022</a:t>
+              <a:t>4/4/2022</a:t>
             </a:fld>
             <a:endParaRPr lang="en-US" dirty="0"/>
           </a:p>
@@ -3251,7 +3251,7 @@
             <a:fld id="{B61BEF0D-F0BB-DE4B-95CE-6DB70DBA9567}" type="datetimeFigureOut">
               <a:rPr lang="en-US" smtClean="0"/>
               <a:pPr/>
-              <a:t>3/23/2022</a:t>
+              <a:t>4/4/2022</a:t>
             </a:fld>
             <a:endParaRPr lang="en-US" dirty="0"/>
           </a:p>
@@ -3484,7 +3484,7 @@
           <a:p>
             <a:fld id="{EB712588-04B1-427B-82EE-E8DB90309F08}" type="datetimeFigureOut">
               <a:rPr lang="en-US" smtClean="0"/>
-              <a:t>3/23/2022</a:t>
+              <a:t>4/4/2022</a:t>
             </a:fld>
             <a:endParaRPr lang="en-US" dirty="0"/>
           </a:p>
@@ -3859,7 +3859,7 @@
             <a:fld id="{B61BEF0D-F0BB-DE4B-95CE-6DB70DBA9567}" type="datetimeFigureOut">
               <a:rPr lang="en-US" smtClean="0"/>
               <a:pPr/>
-              <a:t>3/23/2022</a:t>
+              <a:t>4/4/2022</a:t>
             </a:fld>
             <a:endParaRPr lang="en-US" dirty="0"/>
           </a:p>
@@ -3984,7 +3984,7 @@
             <a:fld id="{B61BEF0D-F0BB-DE4B-95CE-6DB70DBA9567}" type="datetimeFigureOut">
               <a:rPr lang="en-US" smtClean="0"/>
               <a:pPr/>
-              <a:t>3/23/2022</a:t>
+              <a:t>4/4/2022</a:t>
             </a:fld>
             <a:endParaRPr lang="en-US" dirty="0"/>
           </a:p>
@@ -4081,7 +4081,7 @@
             <a:fld id="{B61BEF0D-F0BB-DE4B-95CE-6DB70DBA9567}" type="datetimeFigureOut">
               <a:rPr lang="en-US" smtClean="0"/>
               <a:pPr/>
-              <a:t>3/23/2022</a:t>
+              <a:t>4/4/2022</a:t>
             </a:fld>
             <a:endParaRPr lang="en-US" dirty="0"/>
           </a:p>
@@ -4337,7 +4337,7 @@
           <a:p>
             <a:fld id="{42A54C80-263E-416B-A8E0-580EDEADCBDC}" type="datetimeFigureOut">
               <a:rPr lang="en-US" smtClean="0"/>
-              <a:t>3/23/2022</a:t>
+              <a:t>4/4/2022</a:t>
             </a:fld>
             <a:endParaRPr lang="en-US" dirty="0"/>
           </a:p>
@@ -4644,7 +4644,7 @@
             <a:fld id="{B61BEF0D-F0BB-DE4B-95CE-6DB70DBA9567}" type="datetimeFigureOut">
               <a:rPr lang="en-US" smtClean="0"/>
               <a:pPr/>
-              <a:t>3/23/2022</a:t>
+              <a:t>4/4/2022</a:t>
             </a:fld>
             <a:endParaRPr lang="en-US" dirty="0"/>
           </a:p>
@@ -5347,7 +5347,7 @@
             <a:fld id="{B61BEF0D-F0BB-DE4B-95CE-6DB70DBA9567}" type="datetimeFigureOut">
               <a:rPr lang="en-US" smtClean="0"/>
               <a:pPr/>
-              <a:t>3/23/2022</a:t>
+              <a:t>4/4/2022</a:t>
             </a:fld>
             <a:endParaRPr lang="en-US" dirty="0"/>
           </a:p>

--- a/docs/docs_I_made/slides/EaCoN.pptx
+++ b/docs/docs_I_made/slides/EaCoN.pptx
@@ -6,11 +6,9 @@
   </p:sldMasterIdLst>
   <p:sldIdLst>
     <p:sldId id="256" r:id="rId2"/>
-    <p:sldId id="261" r:id="rId3"/>
-    <p:sldId id="266" r:id="rId4"/>
-    <p:sldId id="260" r:id="rId5"/>
-    <p:sldId id="267" r:id="rId6"/>
-    <p:sldId id="269" r:id="rId7"/>
+    <p:sldId id="260" r:id="rId3"/>
+    <p:sldId id="267" r:id="rId4"/>
+    <p:sldId id="269" r:id="rId5"/>
   </p:sldIdLst>
   <p:sldSz cx="12192000" cy="6858000"/>
   <p:notesSz cx="6858000" cy="9144000"/>
@@ -863,7 +861,7 @@
             <a:fld id="{B61BEF0D-F0BB-DE4B-95CE-6DB70DBA9567}" type="datetimeFigureOut">
               <a:rPr lang="en-US" smtClean="0"/>
               <a:pPr/>
-              <a:t>4/4/2022</a:t>
+              <a:t>4/8/2022</a:t>
             </a:fld>
             <a:endParaRPr lang="en-US" dirty="0"/>
           </a:p>
@@ -1116,7 +1114,7 @@
             <a:fld id="{B61BEF0D-F0BB-DE4B-95CE-6DB70DBA9567}" type="datetimeFigureOut">
               <a:rPr lang="en-US" smtClean="0"/>
               <a:pPr/>
-              <a:t>4/4/2022</a:t>
+              <a:t>4/8/2022</a:t>
             </a:fld>
             <a:endParaRPr lang="en-US" dirty="0"/>
           </a:p>
@@ -1432,7 +1430,7 @@
             <a:fld id="{B61BEF0D-F0BB-DE4B-95CE-6DB70DBA9567}" type="datetimeFigureOut">
               <a:rPr lang="en-US" smtClean="0"/>
               <a:pPr/>
-              <a:t>4/4/2022</a:t>
+              <a:t>4/8/2022</a:t>
             </a:fld>
             <a:endParaRPr lang="en-US" dirty="0"/>
           </a:p>
@@ -1767,7 +1765,7 @@
             <a:fld id="{B61BEF0D-F0BB-DE4B-95CE-6DB70DBA9567}" type="datetimeFigureOut">
               <a:rPr lang="en-US" smtClean="0"/>
               <a:pPr/>
-              <a:t>4/4/2022</a:t>
+              <a:t>4/8/2022</a:t>
             </a:fld>
             <a:endParaRPr lang="en-US" dirty="0"/>
           </a:p>
@@ -2083,7 +2081,7 @@
             <a:fld id="{B61BEF0D-F0BB-DE4B-95CE-6DB70DBA9567}" type="datetimeFigureOut">
               <a:rPr lang="en-US" smtClean="0"/>
               <a:pPr/>
-              <a:t>4/4/2022</a:t>
+              <a:t>4/8/2022</a:t>
             </a:fld>
             <a:endParaRPr lang="en-US" dirty="0"/>
           </a:p>
@@ -2478,7 +2476,7 @@
             <a:fld id="{B61BEF0D-F0BB-DE4B-95CE-6DB70DBA9567}" type="datetimeFigureOut">
               <a:rPr lang="en-US" smtClean="0"/>
               <a:pPr/>
-              <a:t>4/4/2022</a:t>
+              <a:t>4/8/2022</a:t>
             </a:fld>
             <a:endParaRPr lang="en-US" dirty="0"/>
           </a:p>
@@ -2649,7 +2647,7 @@
           <a:p>
             <a:fld id="{55C6B4A9-1611-4792-9094-5F34BCA07E0B}" type="datetimeFigureOut">
               <a:rPr lang="en-US" smtClean="0"/>
-              <a:t>4/4/2022</a:t>
+              <a:t>4/8/2022</a:t>
             </a:fld>
             <a:endParaRPr lang="en-US" dirty="0"/>
           </a:p>
@@ -2830,7 +2828,7 @@
             <a:fld id="{B61BEF0D-F0BB-DE4B-95CE-6DB70DBA9567}" type="datetimeFigureOut">
               <a:rPr lang="en-US" smtClean="0"/>
               <a:pPr/>
-              <a:t>4/4/2022</a:t>
+              <a:t>4/8/2022</a:t>
             </a:fld>
             <a:endParaRPr lang="en-US" dirty="0"/>
           </a:p>
@@ -3002,7 +3000,7 @@
             <a:fld id="{B61BEF0D-F0BB-DE4B-95CE-6DB70DBA9567}" type="datetimeFigureOut">
               <a:rPr lang="en-US" smtClean="0"/>
               <a:pPr/>
-              <a:t>4/4/2022</a:t>
+              <a:t>4/8/2022</a:t>
             </a:fld>
             <a:endParaRPr lang="en-US" dirty="0"/>
           </a:p>
@@ -3251,7 +3249,7 @@
             <a:fld id="{B61BEF0D-F0BB-DE4B-95CE-6DB70DBA9567}" type="datetimeFigureOut">
               <a:rPr lang="en-US" smtClean="0"/>
               <a:pPr/>
-              <a:t>4/4/2022</a:t>
+              <a:t>4/8/2022</a:t>
             </a:fld>
             <a:endParaRPr lang="en-US" dirty="0"/>
           </a:p>
@@ -3484,7 +3482,7 @@
           <a:p>
             <a:fld id="{EB712588-04B1-427B-82EE-E8DB90309F08}" type="datetimeFigureOut">
               <a:rPr lang="en-US" smtClean="0"/>
-              <a:t>4/4/2022</a:t>
+              <a:t>4/8/2022</a:t>
             </a:fld>
             <a:endParaRPr lang="en-US" dirty="0"/>
           </a:p>
@@ -3859,7 +3857,7 @@
             <a:fld id="{B61BEF0D-F0BB-DE4B-95CE-6DB70DBA9567}" type="datetimeFigureOut">
               <a:rPr lang="en-US" smtClean="0"/>
               <a:pPr/>
-              <a:t>4/4/2022</a:t>
+              <a:t>4/8/2022</a:t>
             </a:fld>
             <a:endParaRPr lang="en-US" dirty="0"/>
           </a:p>
@@ -3984,7 +3982,7 @@
             <a:fld id="{B61BEF0D-F0BB-DE4B-95CE-6DB70DBA9567}" type="datetimeFigureOut">
               <a:rPr lang="en-US" smtClean="0"/>
               <a:pPr/>
-              <a:t>4/4/2022</a:t>
+              <a:t>4/8/2022</a:t>
             </a:fld>
             <a:endParaRPr lang="en-US" dirty="0"/>
           </a:p>
@@ -4081,7 +4079,7 @@
             <a:fld id="{B61BEF0D-F0BB-DE4B-95CE-6DB70DBA9567}" type="datetimeFigureOut">
               <a:rPr lang="en-US" smtClean="0"/>
               <a:pPr/>
-              <a:t>4/4/2022</a:t>
+              <a:t>4/8/2022</a:t>
             </a:fld>
             <a:endParaRPr lang="en-US" dirty="0"/>
           </a:p>
@@ -4337,7 +4335,7 @@
           <a:p>
             <a:fld id="{42A54C80-263E-416B-A8E0-580EDEADCBDC}" type="datetimeFigureOut">
               <a:rPr lang="en-US" smtClean="0"/>
-              <a:t>4/4/2022</a:t>
+              <a:t>4/8/2022</a:t>
             </a:fld>
             <a:endParaRPr lang="en-US" dirty="0"/>
           </a:p>
@@ -4644,7 +4642,7 @@
             <a:fld id="{B61BEF0D-F0BB-DE4B-95CE-6DB70DBA9567}" type="datetimeFigureOut">
               <a:rPr lang="en-US" smtClean="0"/>
               <a:pPr/>
-              <a:t>4/4/2022</a:t>
+              <a:t>4/8/2022</a:t>
             </a:fld>
             <a:endParaRPr lang="en-US" dirty="0"/>
           </a:p>
@@ -5347,7 +5345,7 @@
             <a:fld id="{B61BEF0D-F0BB-DE4B-95CE-6DB70DBA9567}" type="datetimeFigureOut">
               <a:rPr lang="en-US" smtClean="0"/>
               <a:pPr/>
-              <a:t>4/4/2022</a:t>
+              <a:t>4/8/2022</a:t>
             </a:fld>
             <a:endParaRPr lang="en-US" dirty="0"/>
           </a:p>
@@ -5970,7 +5968,7 @@
         </p:nvSpPr>
         <p:spPr>
           <a:xfrm>
-            <a:off x="669313" y="417095"/>
+            <a:off x="685355" y="481263"/>
             <a:ext cx="8596668" cy="1320800"/>
           </a:xfrm>
         </p:spPr>
@@ -5979,41 +5977,143 @@
           <a:lstStyle/>
           <a:p>
             <a:r>
-              <a:rPr lang="fr-FR" dirty="0" smtClean="0"/>
-              <a:t>Input</a:t>
-            </a:r>
-            <a:endParaRPr lang="fr-FR" dirty="0"/>
+              <a:rPr lang="fr-FR" dirty="0"/>
+              <a:t>Première normalisation</a:t>
+            </a:r>
           </a:p>
         </p:txBody>
       </p:sp>
       <p:pic>
         <p:nvPicPr>
-          <p:cNvPr id="3" name="Image 2"/>
+          <p:cNvPr id="8" name="Espace réservé du contenu 7"/>
           <p:cNvPicPr>
-            <a:picLocks noChangeAspect="1"/>
+            <a:picLocks noGrp="1" noChangeAspect="1"/>
           </p:cNvPicPr>
-          <p:nvPr/>
+          <p:nvPr>
+            <p:ph idx="1"/>
+          </p:nvPr>
         </p:nvPicPr>
         <p:blipFill>
-          <a:blip r:embed="rId2"/>
+          <a:blip r:embed="rId2">
+            <a:extLst>
+              <a:ext uri="{28A0092B-C50C-407E-A947-70E740481C1C}">
+                <a14:useLocalDpi xmlns:a14="http://schemas.microsoft.com/office/drawing/2010/main" val="0"/>
+              </a:ext>
+            </a:extLst>
+          </a:blip>
           <a:stretch>
             <a:fillRect/>
           </a:stretch>
         </p:blipFill>
         <p:spPr>
           <a:xfrm>
-            <a:off x="1457916" y="1561054"/>
-            <a:ext cx="7468642" cy="4201111"/>
+            <a:off x="2331424" y="1605898"/>
+            <a:ext cx="5761818" cy="4590249"/>
+          </a:xfrm>
+        </p:spPr>
+      </p:pic>
+      <p:sp>
+        <p:nvSpPr>
+          <p:cNvPr id="3" name="ZoneTexte 2"/>
+          <p:cNvSpPr txBox="1"/>
+          <p:nvPr/>
+        </p:nvSpPr>
+        <p:spPr>
+          <a:xfrm>
+            <a:off x="2673626" y="1434418"/>
+            <a:ext cx="4620126" cy="369332"/>
           </a:xfrm>
           <a:prstGeom prst="rect">
             <a:avLst/>
           </a:prstGeom>
+          <a:noFill/>
         </p:spPr>
-      </p:pic>
+        <p:txBody>
+          <a:bodyPr wrap="square" rtlCol="0">
+            <a:spAutoFit/>
+          </a:bodyPr>
+          <a:lstStyle/>
+          <a:p>
+            <a:r>
+              <a:rPr lang="fr-FR" dirty="0" err="1" smtClean="0">
+                <a:latin typeface="Agency FB" panose="020B0503020202020204" pitchFamily="34" charset="0"/>
+              </a:rPr>
+              <a:t>normalize</a:t>
+            </a:r>
+            <a:r>
+              <a:rPr lang="fr-FR" dirty="0" smtClean="0">
+                <a:latin typeface="Agency FB" panose="020B0503020202020204" pitchFamily="34" charset="0"/>
+              </a:rPr>
+              <a:t>(data</a:t>
+            </a:r>
+            <a:r>
+              <a:rPr lang="fr-FR" dirty="0">
+                <a:latin typeface="Agency FB" panose="020B0503020202020204" pitchFamily="34" charset="0"/>
+              </a:rPr>
+              <a:t>, </a:t>
+            </a:r>
+            <a:r>
+              <a:rPr lang="fr-FR" dirty="0" err="1">
+                <a:latin typeface="Agency FB" panose="020B0503020202020204" pitchFamily="34" charset="0"/>
+              </a:rPr>
+              <a:t>method</a:t>
+            </a:r>
+            <a:r>
+              <a:rPr lang="fr-FR" dirty="0">
+                <a:latin typeface="Agency FB" panose="020B0503020202020204" pitchFamily="34" charset="0"/>
+              </a:rPr>
+              <a:t>="</a:t>
+            </a:r>
+            <a:r>
+              <a:rPr lang="fr-FR" dirty="0" err="1">
+                <a:solidFill>
+                  <a:srgbClr val="FF0000"/>
+                </a:solidFill>
+                <a:latin typeface="Agency FB" panose="020B0503020202020204" pitchFamily="34" charset="0"/>
+              </a:rPr>
+              <a:t>median</a:t>
+            </a:r>
+            <a:r>
+              <a:rPr lang="fr-FR" dirty="0">
+                <a:latin typeface="Agency FB" panose="020B0503020202020204" pitchFamily="34" charset="0"/>
+              </a:rPr>
+              <a:t>", </a:t>
+            </a:r>
+            <a:r>
+              <a:rPr lang="fr-FR" dirty="0" err="1">
+                <a:latin typeface="Agency FB" panose="020B0503020202020204" pitchFamily="34" charset="0"/>
+              </a:rPr>
+              <a:t>smoothOutliers</a:t>
+            </a:r>
+            <a:r>
+              <a:rPr lang="fr-FR" dirty="0">
+                <a:latin typeface="Agency FB" panose="020B0503020202020204" pitchFamily="34" charset="0"/>
+              </a:rPr>
+              <a:t>=</a:t>
+            </a:r>
+            <a:r>
+              <a:rPr lang="fr-FR" dirty="0">
+                <a:solidFill>
+                  <a:srgbClr val="FF0000"/>
+                </a:solidFill>
+                <a:latin typeface="Agency FB" panose="020B0503020202020204" pitchFamily="34" charset="0"/>
+              </a:rPr>
+              <a:t>TRUE</a:t>
+            </a:r>
+            <a:r>
+              <a:rPr lang="fr-FR" dirty="0">
+                <a:latin typeface="Agency FB" panose="020B0503020202020204" pitchFamily="34" charset="0"/>
+              </a:rPr>
+              <a:t>)</a:t>
+            </a:r>
+            <a:endParaRPr lang="fr-FR" dirty="0"/>
+          </a:p>
+        </p:txBody>
+      </p:sp>
     </p:spTree>
     <p:extLst>
       <p:ext uri="{BB962C8B-B14F-4D97-AF65-F5344CB8AC3E}">
-        <p14:creationId xmlns:p14="http://schemas.microsoft.com/office/powerpoint/2010/main" val="4099947957"/>
+        <p14:creationId xmlns:p14="http://schemas.microsoft.com/office/powerpoint/2010/main" val="845266628"/>
       </p:ext>
     </p:extLst>
   </p:cSld>
@@ -6068,380 +6168,6 @@
           <a:lstStyle/>
           <a:p>
             <a:r>
-              <a:rPr lang="fr-FR" dirty="0" err="1"/>
-              <a:t>Pre-process</a:t>
-            </a:r>
-            <a:endParaRPr lang="fr-FR" dirty="0"/>
-          </a:p>
-        </p:txBody>
-      </p:sp>
-      <p:sp>
-        <p:nvSpPr>
-          <p:cNvPr id="3" name="ZoneTexte 2"/>
-          <p:cNvSpPr txBox="1"/>
-          <p:nvPr/>
-        </p:nvSpPr>
-        <p:spPr>
-          <a:xfrm>
-            <a:off x="3503847" y="1281378"/>
-            <a:ext cx="3416969" cy="646331"/>
-          </a:xfrm>
-          <a:prstGeom prst="rect">
-            <a:avLst/>
-          </a:prstGeom>
-          <a:noFill/>
-        </p:spPr>
-        <p:txBody>
-          <a:bodyPr wrap="square" rtlCol="0">
-            <a:spAutoFit/>
-          </a:bodyPr>
-          <a:lstStyle/>
-          <a:p>
-            <a:r>
-              <a:rPr lang="fr-FR" dirty="0" err="1" smtClean="0">
-                <a:latin typeface="Agency FB" panose="020B0503020202020204" pitchFamily="34" charset="0"/>
-              </a:rPr>
-              <a:t>preprocess</a:t>
-            </a:r>
-            <a:r>
-              <a:rPr lang="fr-FR" dirty="0" smtClean="0">
-                <a:latin typeface="Agency FB" panose="020B0503020202020204" pitchFamily="34" charset="0"/>
-              </a:rPr>
-              <a:t>(data, </a:t>
-            </a:r>
-            <a:r>
-              <a:rPr lang="fr-FR" dirty="0" err="1">
-                <a:latin typeface="Agency FB" panose="020B0503020202020204" pitchFamily="34" charset="0"/>
-              </a:rPr>
-              <a:t>maxmiss</a:t>
-            </a:r>
-            <a:r>
-              <a:rPr lang="fr-FR" dirty="0">
-                <a:latin typeface="Agency FB" panose="020B0503020202020204" pitchFamily="34" charset="0"/>
-              </a:rPr>
-              <a:t>=</a:t>
-            </a:r>
-            <a:r>
-              <a:rPr lang="fr-FR" dirty="0">
-                <a:solidFill>
-                  <a:srgbClr val="FF0000"/>
-                </a:solidFill>
-                <a:latin typeface="Agency FB" panose="020B0503020202020204" pitchFamily="34" charset="0"/>
-              </a:rPr>
-              <a:t>30</a:t>
-            </a:r>
-            <a:r>
-              <a:rPr lang="fr-FR" dirty="0">
-                <a:latin typeface="Agency FB" panose="020B0503020202020204" pitchFamily="34" charset="0"/>
-              </a:rPr>
-              <a:t>, </a:t>
-            </a:r>
-            <a:r>
-              <a:rPr lang="fr-FR" dirty="0" err="1">
-                <a:latin typeface="Agency FB" panose="020B0503020202020204" pitchFamily="34" charset="0"/>
-              </a:rPr>
-              <a:t>nchrom</a:t>
-            </a:r>
-            <a:r>
-              <a:rPr lang="fr-FR" dirty="0">
-                <a:latin typeface="Agency FB" panose="020B0503020202020204" pitchFamily="34" charset="0"/>
-              </a:rPr>
-              <a:t>=</a:t>
-            </a:r>
-            <a:r>
-              <a:rPr lang="fr-FR" dirty="0">
-                <a:solidFill>
-                  <a:srgbClr val="FF0000"/>
-                </a:solidFill>
-                <a:latin typeface="Agency FB" panose="020B0503020202020204" pitchFamily="34" charset="0"/>
-              </a:rPr>
-              <a:t>22</a:t>
-            </a:r>
-            <a:r>
-              <a:rPr lang="fr-FR" dirty="0">
-                <a:latin typeface="Agency FB" panose="020B0503020202020204" pitchFamily="34" charset="0"/>
-              </a:rPr>
-              <a:t>)</a:t>
-            </a:r>
-          </a:p>
-          <a:p>
-            <a:endParaRPr lang="fr-FR" dirty="0"/>
-          </a:p>
-        </p:txBody>
-      </p:sp>
-      <p:pic>
-        <p:nvPicPr>
-          <p:cNvPr id="6" name="Image 5"/>
-          <p:cNvPicPr>
-            <a:picLocks noChangeAspect="1"/>
-          </p:cNvPicPr>
-          <p:nvPr/>
-        </p:nvPicPr>
-        <p:blipFill>
-          <a:blip r:embed="rId2"/>
-          <a:stretch>
-            <a:fillRect/>
-          </a:stretch>
-        </p:blipFill>
-        <p:spPr>
-          <a:xfrm>
-            <a:off x="2640902" y="1868872"/>
-            <a:ext cx="5142857" cy="4095238"/>
-          </a:xfrm>
-          <a:prstGeom prst="rect">
-            <a:avLst/>
-          </a:prstGeom>
-        </p:spPr>
-      </p:pic>
-    </p:spTree>
-    <p:extLst>
-      <p:ext uri="{BB962C8B-B14F-4D97-AF65-F5344CB8AC3E}">
-        <p14:creationId xmlns:p14="http://schemas.microsoft.com/office/powerpoint/2010/main" val="4048697289"/>
-      </p:ext>
-    </p:extLst>
-  </p:cSld>
-  <p:clrMapOvr>
-    <a:masterClrMapping/>
-  </p:clrMapOvr>
-  <p:timing>
-    <p:tnLst>
-      <p:par>
-        <p:cTn id="1" dur="indefinite" restart="never" nodeType="tmRoot"/>
-      </p:par>
-    </p:tnLst>
-  </p:timing>
-</p:sld>
-</file>
-
-<file path=ppt/slides/slide4.xml><?xml version="1.0" encoding="utf-8"?>
-<p:sld xmlns:a="http://schemas.openxmlformats.org/drawingml/2006/main" xmlns:r="http://schemas.openxmlformats.org/officeDocument/2006/relationships" xmlns:p="http://schemas.openxmlformats.org/presentationml/2006/main">
-  <p:cSld>
-    <p:spTree>
-      <p:nvGrpSpPr>
-        <p:cNvPr id="1" name=""/>
-        <p:cNvGrpSpPr/>
-        <p:nvPr/>
-      </p:nvGrpSpPr>
-      <p:grpSpPr>
-        <a:xfrm>
-          <a:off x="0" y="0"/>
-          <a:ext cx="0" cy="0"/>
-          <a:chOff x="0" y="0"/>
-          <a:chExt cx="0" cy="0"/>
-        </a:xfrm>
-      </p:grpSpPr>
-      <p:sp>
-        <p:nvSpPr>
-          <p:cNvPr id="2" name="Titre 1"/>
-          <p:cNvSpPr>
-            <a:spLocks noGrp="1"/>
-          </p:cNvSpPr>
-          <p:nvPr>
-            <p:ph type="title"/>
-          </p:nvPr>
-        </p:nvSpPr>
-        <p:spPr>
-          <a:xfrm>
-            <a:off x="685355" y="481263"/>
-            <a:ext cx="8596668" cy="1320800"/>
-          </a:xfrm>
-        </p:spPr>
-        <p:txBody>
-          <a:bodyPr/>
-          <a:lstStyle/>
-          <a:p>
-            <a:r>
-              <a:rPr lang="fr-FR" dirty="0"/>
-              <a:t>Première normalisation</a:t>
-            </a:r>
-          </a:p>
-        </p:txBody>
-      </p:sp>
-      <p:pic>
-        <p:nvPicPr>
-          <p:cNvPr id="8" name="Espace réservé du contenu 7"/>
-          <p:cNvPicPr>
-            <a:picLocks noGrp="1" noChangeAspect="1"/>
-          </p:cNvPicPr>
-          <p:nvPr>
-            <p:ph idx="1"/>
-          </p:nvPr>
-        </p:nvPicPr>
-        <p:blipFill>
-          <a:blip r:embed="rId2">
-            <a:extLst>
-              <a:ext uri="{28A0092B-C50C-407E-A947-70E740481C1C}">
-                <a14:useLocalDpi xmlns:a14="http://schemas.microsoft.com/office/drawing/2010/main" val="0"/>
-              </a:ext>
-            </a:extLst>
-          </a:blip>
-          <a:stretch>
-            <a:fillRect/>
-          </a:stretch>
-        </p:blipFill>
-        <p:spPr>
-          <a:xfrm>
-            <a:off x="2331424" y="1605898"/>
-            <a:ext cx="5761818" cy="4590249"/>
-          </a:xfrm>
-        </p:spPr>
-      </p:pic>
-      <p:sp>
-        <p:nvSpPr>
-          <p:cNvPr id="3" name="ZoneTexte 2"/>
-          <p:cNvSpPr txBox="1"/>
-          <p:nvPr/>
-        </p:nvSpPr>
-        <p:spPr>
-          <a:xfrm>
-            <a:off x="2673626" y="1434418"/>
-            <a:ext cx="4620126" cy="369332"/>
-          </a:xfrm>
-          <a:prstGeom prst="rect">
-            <a:avLst/>
-          </a:prstGeom>
-          <a:noFill/>
-        </p:spPr>
-        <p:txBody>
-          <a:bodyPr wrap="square" rtlCol="0">
-            <a:spAutoFit/>
-          </a:bodyPr>
-          <a:lstStyle/>
-          <a:p>
-            <a:r>
-              <a:rPr lang="fr-FR" dirty="0" err="1" smtClean="0">
-                <a:latin typeface="Agency FB" panose="020B0503020202020204" pitchFamily="34" charset="0"/>
-              </a:rPr>
-              <a:t>normalize</a:t>
-            </a:r>
-            <a:r>
-              <a:rPr lang="fr-FR" dirty="0" smtClean="0">
-                <a:latin typeface="Agency FB" panose="020B0503020202020204" pitchFamily="34" charset="0"/>
-              </a:rPr>
-              <a:t>(data</a:t>
-            </a:r>
-            <a:r>
-              <a:rPr lang="fr-FR" dirty="0">
-                <a:latin typeface="Agency FB" panose="020B0503020202020204" pitchFamily="34" charset="0"/>
-              </a:rPr>
-              <a:t>, </a:t>
-            </a:r>
-            <a:r>
-              <a:rPr lang="fr-FR" dirty="0" err="1">
-                <a:latin typeface="Agency FB" panose="020B0503020202020204" pitchFamily="34" charset="0"/>
-              </a:rPr>
-              <a:t>method</a:t>
-            </a:r>
-            <a:r>
-              <a:rPr lang="fr-FR" dirty="0">
-                <a:latin typeface="Agency FB" panose="020B0503020202020204" pitchFamily="34" charset="0"/>
-              </a:rPr>
-              <a:t>="</a:t>
-            </a:r>
-            <a:r>
-              <a:rPr lang="fr-FR" dirty="0" err="1">
-                <a:solidFill>
-                  <a:srgbClr val="FF0000"/>
-                </a:solidFill>
-                <a:latin typeface="Agency FB" panose="020B0503020202020204" pitchFamily="34" charset="0"/>
-              </a:rPr>
-              <a:t>median</a:t>
-            </a:r>
-            <a:r>
-              <a:rPr lang="fr-FR" dirty="0">
-                <a:latin typeface="Agency FB" panose="020B0503020202020204" pitchFamily="34" charset="0"/>
-              </a:rPr>
-              <a:t>", </a:t>
-            </a:r>
-            <a:r>
-              <a:rPr lang="fr-FR" dirty="0" err="1">
-                <a:latin typeface="Agency FB" panose="020B0503020202020204" pitchFamily="34" charset="0"/>
-              </a:rPr>
-              <a:t>smoothOutliers</a:t>
-            </a:r>
-            <a:r>
-              <a:rPr lang="fr-FR" dirty="0">
-                <a:latin typeface="Agency FB" panose="020B0503020202020204" pitchFamily="34" charset="0"/>
-              </a:rPr>
-              <a:t>=</a:t>
-            </a:r>
-            <a:r>
-              <a:rPr lang="fr-FR" dirty="0">
-                <a:solidFill>
-                  <a:srgbClr val="FF0000"/>
-                </a:solidFill>
-                <a:latin typeface="Agency FB" panose="020B0503020202020204" pitchFamily="34" charset="0"/>
-              </a:rPr>
-              <a:t>TRUE</a:t>
-            </a:r>
-            <a:r>
-              <a:rPr lang="fr-FR" dirty="0">
-                <a:latin typeface="Agency FB" panose="020B0503020202020204" pitchFamily="34" charset="0"/>
-              </a:rPr>
-              <a:t>)</a:t>
-            </a:r>
-            <a:endParaRPr lang="fr-FR" dirty="0"/>
-          </a:p>
-        </p:txBody>
-      </p:sp>
-    </p:spTree>
-    <p:extLst>
-      <p:ext uri="{BB962C8B-B14F-4D97-AF65-F5344CB8AC3E}">
-        <p14:creationId xmlns:p14="http://schemas.microsoft.com/office/powerpoint/2010/main" val="845266628"/>
-      </p:ext>
-    </p:extLst>
-  </p:cSld>
-  <p:clrMapOvr>
-    <a:masterClrMapping/>
-  </p:clrMapOvr>
-  <p:timing>
-    <p:tnLst>
-      <p:par>
-        <p:cTn id="1" dur="indefinite" restart="never" nodeType="tmRoot"/>
-      </p:par>
-    </p:tnLst>
-  </p:timing>
-</p:sld>
-</file>
-
-<file path=ppt/slides/slide5.xml><?xml version="1.0" encoding="utf-8"?>
-<p:sld xmlns:a="http://schemas.openxmlformats.org/drawingml/2006/main" xmlns:r="http://schemas.openxmlformats.org/officeDocument/2006/relationships" xmlns:p="http://schemas.openxmlformats.org/presentationml/2006/main">
-  <p:cSld>
-    <p:spTree>
-      <p:nvGrpSpPr>
-        <p:cNvPr id="1" name=""/>
-        <p:cNvGrpSpPr/>
-        <p:nvPr/>
-      </p:nvGrpSpPr>
-      <p:grpSpPr>
-        <a:xfrm>
-          <a:off x="0" y="0"/>
-          <a:ext cx="0" cy="0"/>
-          <a:chOff x="0" y="0"/>
-          <a:chExt cx="0" cy="0"/>
-        </a:xfrm>
-      </p:grpSpPr>
-      <p:sp>
-        <p:nvSpPr>
-          <p:cNvPr id="2" name="Titre 1"/>
-          <p:cNvSpPr>
-            <a:spLocks noGrp="1"/>
-          </p:cNvSpPr>
-          <p:nvPr>
-            <p:ph type="title"/>
-          </p:nvPr>
-        </p:nvSpPr>
-        <p:spPr>
-          <a:xfrm>
-            <a:off x="685355" y="481263"/>
-            <a:ext cx="8596668" cy="1320800"/>
-          </a:xfrm>
-        </p:spPr>
-        <p:txBody>
-          <a:bodyPr/>
-          <a:lstStyle/>
-          <a:p>
-            <a:r>
               <a:rPr lang="fr-FR" dirty="0" smtClean="0"/>
               <a:t>Segmentation</a:t>
             </a:r>
@@ -6651,7 +6377,7 @@
 </p:sld>
 </file>
 
-<file path=ppt/slides/slide6.xml><?xml version="1.0" encoding="utf-8"?>
+<file path=ppt/slides/slide4.xml><?xml version="1.0" encoding="utf-8"?>
 <p:sld xmlns:a="http://schemas.openxmlformats.org/drawingml/2006/main" xmlns:r="http://schemas.openxmlformats.org/officeDocument/2006/relationships" xmlns:p="http://schemas.openxmlformats.org/presentationml/2006/main">
   <p:cSld>
     <p:spTree>

--- a/docs/docs_I_made/slides/EaCoN.pptx
+++ b/docs/docs_I_made/slides/EaCoN.pptx
@@ -6,9 +6,7 @@
   </p:sldMasterIdLst>
   <p:sldIdLst>
     <p:sldId id="256" r:id="rId2"/>
-    <p:sldId id="260" r:id="rId3"/>
-    <p:sldId id="267" r:id="rId4"/>
-    <p:sldId id="269" r:id="rId5"/>
+    <p:sldId id="270" r:id="rId3"/>
   </p:sldIdLst>
   <p:sldSz cx="12192000" cy="6858000"/>
   <p:notesSz cx="6858000" cy="9144000"/>
@@ -861,7 +859,7 @@
             <a:fld id="{B61BEF0D-F0BB-DE4B-95CE-6DB70DBA9567}" type="datetimeFigureOut">
               <a:rPr lang="en-US" smtClean="0"/>
               <a:pPr/>
-              <a:t>4/8/2022</a:t>
+              <a:t>4/12/2022</a:t>
             </a:fld>
             <a:endParaRPr lang="en-US" dirty="0"/>
           </a:p>
@@ -1114,7 +1112,7 @@
             <a:fld id="{B61BEF0D-F0BB-DE4B-95CE-6DB70DBA9567}" type="datetimeFigureOut">
               <a:rPr lang="en-US" smtClean="0"/>
               <a:pPr/>
-              <a:t>4/8/2022</a:t>
+              <a:t>4/12/2022</a:t>
             </a:fld>
             <a:endParaRPr lang="en-US" dirty="0"/>
           </a:p>
@@ -1430,7 +1428,7 @@
             <a:fld id="{B61BEF0D-F0BB-DE4B-95CE-6DB70DBA9567}" type="datetimeFigureOut">
               <a:rPr lang="en-US" smtClean="0"/>
               <a:pPr/>
-              <a:t>4/8/2022</a:t>
+              <a:t>4/12/2022</a:t>
             </a:fld>
             <a:endParaRPr lang="en-US" dirty="0"/>
           </a:p>
@@ -1765,7 +1763,7 @@
             <a:fld id="{B61BEF0D-F0BB-DE4B-95CE-6DB70DBA9567}" type="datetimeFigureOut">
               <a:rPr lang="en-US" smtClean="0"/>
               <a:pPr/>
-              <a:t>4/8/2022</a:t>
+              <a:t>4/12/2022</a:t>
             </a:fld>
             <a:endParaRPr lang="en-US" dirty="0"/>
           </a:p>
@@ -2081,7 +2079,7 @@
             <a:fld id="{B61BEF0D-F0BB-DE4B-95CE-6DB70DBA9567}" type="datetimeFigureOut">
               <a:rPr lang="en-US" smtClean="0"/>
               <a:pPr/>
-              <a:t>4/8/2022</a:t>
+              <a:t>4/12/2022</a:t>
             </a:fld>
             <a:endParaRPr lang="en-US" dirty="0"/>
           </a:p>
@@ -2476,7 +2474,7 @@
             <a:fld id="{B61BEF0D-F0BB-DE4B-95CE-6DB70DBA9567}" type="datetimeFigureOut">
               <a:rPr lang="en-US" smtClean="0"/>
               <a:pPr/>
-              <a:t>4/8/2022</a:t>
+              <a:t>4/12/2022</a:t>
             </a:fld>
             <a:endParaRPr lang="en-US" dirty="0"/>
           </a:p>
@@ -2647,7 +2645,7 @@
           <a:p>
             <a:fld id="{55C6B4A9-1611-4792-9094-5F34BCA07E0B}" type="datetimeFigureOut">
               <a:rPr lang="en-US" smtClean="0"/>
-              <a:t>4/8/2022</a:t>
+              <a:t>4/12/2022</a:t>
             </a:fld>
             <a:endParaRPr lang="en-US" dirty="0"/>
           </a:p>
@@ -2828,7 +2826,7 @@
             <a:fld id="{B61BEF0D-F0BB-DE4B-95CE-6DB70DBA9567}" type="datetimeFigureOut">
               <a:rPr lang="en-US" smtClean="0"/>
               <a:pPr/>
-              <a:t>4/8/2022</a:t>
+              <a:t>4/12/2022</a:t>
             </a:fld>
             <a:endParaRPr lang="en-US" dirty="0"/>
           </a:p>
@@ -3000,7 +2998,7 @@
             <a:fld id="{B61BEF0D-F0BB-DE4B-95CE-6DB70DBA9567}" type="datetimeFigureOut">
               <a:rPr lang="en-US" smtClean="0"/>
               <a:pPr/>
-              <a:t>4/8/2022</a:t>
+              <a:t>4/12/2022</a:t>
             </a:fld>
             <a:endParaRPr lang="en-US" dirty="0"/>
           </a:p>
@@ -3249,7 +3247,7 @@
             <a:fld id="{B61BEF0D-F0BB-DE4B-95CE-6DB70DBA9567}" type="datetimeFigureOut">
               <a:rPr lang="en-US" smtClean="0"/>
               <a:pPr/>
-              <a:t>4/8/2022</a:t>
+              <a:t>4/12/2022</a:t>
             </a:fld>
             <a:endParaRPr lang="en-US" dirty="0"/>
           </a:p>
@@ -3482,7 +3480,7 @@
           <a:p>
             <a:fld id="{EB712588-04B1-427B-82EE-E8DB90309F08}" type="datetimeFigureOut">
               <a:rPr lang="en-US" smtClean="0"/>
-              <a:t>4/8/2022</a:t>
+              <a:t>4/12/2022</a:t>
             </a:fld>
             <a:endParaRPr lang="en-US" dirty="0"/>
           </a:p>
@@ -3857,7 +3855,7 @@
             <a:fld id="{B61BEF0D-F0BB-DE4B-95CE-6DB70DBA9567}" type="datetimeFigureOut">
               <a:rPr lang="en-US" smtClean="0"/>
               <a:pPr/>
-              <a:t>4/8/2022</a:t>
+              <a:t>4/12/2022</a:t>
             </a:fld>
             <a:endParaRPr lang="en-US" dirty="0"/>
           </a:p>
@@ -3982,7 +3980,7 @@
             <a:fld id="{B61BEF0D-F0BB-DE4B-95CE-6DB70DBA9567}" type="datetimeFigureOut">
               <a:rPr lang="en-US" smtClean="0"/>
               <a:pPr/>
-              <a:t>4/8/2022</a:t>
+              <a:t>4/12/2022</a:t>
             </a:fld>
             <a:endParaRPr lang="en-US" dirty="0"/>
           </a:p>
@@ -4079,7 +4077,7 @@
             <a:fld id="{B61BEF0D-F0BB-DE4B-95CE-6DB70DBA9567}" type="datetimeFigureOut">
               <a:rPr lang="en-US" smtClean="0"/>
               <a:pPr/>
-              <a:t>4/8/2022</a:t>
+              <a:t>4/12/2022</a:t>
             </a:fld>
             <a:endParaRPr lang="en-US" dirty="0"/>
           </a:p>
@@ -4335,7 +4333,7 @@
           <a:p>
             <a:fld id="{42A54C80-263E-416B-A8E0-580EDEADCBDC}" type="datetimeFigureOut">
               <a:rPr lang="en-US" smtClean="0"/>
-              <a:t>4/8/2022</a:t>
+              <a:t>4/12/2022</a:t>
             </a:fld>
             <a:endParaRPr lang="en-US" dirty="0"/>
           </a:p>
@@ -4642,7 +4640,7 @@
             <a:fld id="{B61BEF0D-F0BB-DE4B-95CE-6DB70DBA9567}" type="datetimeFigureOut">
               <a:rPr lang="en-US" smtClean="0"/>
               <a:pPr/>
-              <a:t>4/8/2022</a:t>
+              <a:t>4/12/2022</a:t>
             </a:fld>
             <a:endParaRPr lang="en-US" dirty="0"/>
           </a:p>
@@ -5345,7 +5343,7 @@
             <a:fld id="{B61BEF0D-F0BB-DE4B-95CE-6DB70DBA9567}" type="datetimeFigureOut">
               <a:rPr lang="en-US" smtClean="0"/>
               <a:pPr/>
-              <a:t>4/8/2022</a:t>
+              <a:t>4/12/2022</a:t>
             </a:fld>
             <a:endParaRPr lang="en-US" dirty="0"/>
           </a:p>
@@ -5886,8 +5884,8 @@
           <a:lstStyle/>
           <a:p>
             <a:r>
-              <a:rPr lang="fr-FR" dirty="0" err="1" smtClean="0"/>
-              <a:t>EaCoN</a:t>
+              <a:rPr lang="fr-FR" dirty="0" smtClean="0"/>
+              <a:t>ASCAT</a:t>
             </a:r>
             <a:r>
               <a:rPr lang="fr-FR" dirty="0" smtClean="0"/>
@@ -5968,7 +5966,7 @@
         </p:nvSpPr>
         <p:spPr>
           <a:xfrm>
-            <a:off x="685355" y="481263"/>
+            <a:off x="669313" y="417095"/>
             <a:ext cx="8596668" cy="1320800"/>
           </a:xfrm>
         </p:spPr>
@@ -5977,51 +5975,72 @@
           <a:lstStyle/>
           <a:p>
             <a:r>
-              <a:rPr lang="fr-FR" dirty="0"/>
-              <a:t>Première normalisation</a:t>
-            </a:r>
-          </a:p>
-        </p:txBody>
-      </p:sp>
-      <p:pic>
-        <p:nvPicPr>
-          <p:cNvPr id="8" name="Espace réservé du contenu 7"/>
-          <p:cNvPicPr>
-            <a:picLocks noGrp="1" noChangeAspect="1"/>
-          </p:cNvPicPr>
-          <p:nvPr>
-            <p:ph idx="1"/>
-          </p:nvPr>
-        </p:nvPicPr>
-        <p:blipFill>
-          <a:blip r:embed="rId2">
-            <a:extLst>
-              <a:ext uri="{28A0092B-C50C-407E-A947-70E740481C1C}">
-                <a14:useLocalDpi xmlns:a14="http://schemas.microsoft.com/office/drawing/2010/main" val="0"/>
-              </a:ext>
-            </a:extLst>
-          </a:blip>
-          <a:stretch>
-            <a:fillRect/>
-          </a:stretch>
-        </p:blipFill>
+              <a:rPr lang="fr-FR" dirty="0" smtClean="0"/>
+              <a:t>Pipeline</a:t>
+            </a:r>
+            <a:br>
+              <a:rPr lang="fr-FR" dirty="0" smtClean="0"/>
+            </a:br>
+            <a:endParaRPr lang="fr-FR" dirty="0"/>
+          </a:p>
+        </p:txBody>
+      </p:sp>
+      <p:sp>
+        <p:nvSpPr>
+          <p:cNvPr id="6" name="Rectangle 5"/>
+          <p:cNvSpPr/>
+          <p:nvPr/>
+        </p:nvSpPr>
         <p:spPr>
           <a:xfrm>
-            <a:off x="2331424" y="1605898"/>
-            <a:ext cx="5761818" cy="4590249"/>
+            <a:off x="160421" y="1114925"/>
+            <a:ext cx="11566358" cy="1700187"/>
           </a:xfrm>
+          <a:prstGeom prst="rect">
+            <a:avLst/>
+          </a:prstGeom>
+          <a:solidFill>
+            <a:schemeClr val="accent1">
+              <a:lumMod val="20000"/>
+              <a:lumOff val="80000"/>
+            </a:schemeClr>
+          </a:solidFill>
         </p:spPr>
-      </p:pic>
-      <p:sp>
-        <p:nvSpPr>
-          <p:cNvPr id="3" name="ZoneTexte 2"/>
+        <p:style>
+          <a:lnRef idx="2">
+            <a:schemeClr val="accent1">
+              <a:shade val="50000"/>
+            </a:schemeClr>
+          </a:lnRef>
+          <a:fillRef idx="1">
+            <a:schemeClr val="accent1"/>
+          </a:fillRef>
+          <a:effectRef idx="0">
+            <a:schemeClr val="accent1"/>
+          </a:effectRef>
+          <a:fontRef idx="minor">
+            <a:schemeClr val="lt1"/>
+          </a:fontRef>
+        </p:style>
+        <p:txBody>
+          <a:bodyPr rtlCol="0" anchor="ctr"/>
+          <a:lstStyle/>
+          <a:p>
+            <a:pPr algn="ctr"/>
+            <a:endParaRPr lang="fr-FR" dirty="0"/>
+          </a:p>
+        </p:txBody>
+      </p:sp>
+      <p:sp>
+        <p:nvSpPr>
+          <p:cNvPr id="7" name="ZoneTexte 6"/>
           <p:cNvSpPr txBox="1"/>
           <p:nvPr/>
         </p:nvSpPr>
         <p:spPr>
           <a:xfrm>
-            <a:off x="2673626" y="1434418"/>
-            <a:ext cx="4620126" cy="369332"/>
+            <a:off x="657604" y="1593376"/>
+            <a:ext cx="1347537" cy="553998"/>
           </a:xfrm>
           <a:prstGeom prst="rect">
             <a:avLst/>
@@ -6035,178 +6054,23 @@
           <a:lstStyle/>
           <a:p>
             <a:r>
-              <a:rPr lang="fr-FR" dirty="0" err="1" smtClean="0">
-                <a:latin typeface="Agency FB" panose="020B0503020202020204" pitchFamily="34" charset="0"/>
-              </a:rPr>
-              <a:t>normalize</a:t>
-            </a:r>
-            <a:r>
-              <a:rPr lang="fr-FR" dirty="0" smtClean="0">
-                <a:latin typeface="Agency FB" panose="020B0503020202020204" pitchFamily="34" charset="0"/>
-              </a:rPr>
-              <a:t>(data</a:t>
-            </a:r>
-            <a:r>
-              <a:rPr lang="fr-FR" dirty="0">
-                <a:latin typeface="Agency FB" panose="020B0503020202020204" pitchFamily="34" charset="0"/>
-              </a:rPr>
-              <a:t>, </a:t>
-            </a:r>
-            <a:r>
-              <a:rPr lang="fr-FR" dirty="0" err="1">
-                <a:latin typeface="Agency FB" panose="020B0503020202020204" pitchFamily="34" charset="0"/>
-              </a:rPr>
-              <a:t>method</a:t>
-            </a:r>
-            <a:r>
-              <a:rPr lang="fr-FR" dirty="0">
-                <a:latin typeface="Agency FB" panose="020B0503020202020204" pitchFamily="34" charset="0"/>
-              </a:rPr>
-              <a:t>="</a:t>
-            </a:r>
-            <a:r>
-              <a:rPr lang="fr-FR" dirty="0" err="1">
-                <a:solidFill>
-                  <a:srgbClr val="FF0000"/>
-                </a:solidFill>
-                <a:latin typeface="Agency FB" panose="020B0503020202020204" pitchFamily="34" charset="0"/>
-              </a:rPr>
-              <a:t>median</a:t>
-            </a:r>
-            <a:r>
-              <a:rPr lang="fr-FR" dirty="0">
-                <a:latin typeface="Agency FB" panose="020B0503020202020204" pitchFamily="34" charset="0"/>
-              </a:rPr>
-              <a:t>", </a:t>
-            </a:r>
-            <a:r>
-              <a:rPr lang="fr-FR" dirty="0" err="1">
-                <a:latin typeface="Agency FB" panose="020B0503020202020204" pitchFamily="34" charset="0"/>
-              </a:rPr>
-              <a:t>smoothOutliers</a:t>
-            </a:r>
-            <a:r>
-              <a:rPr lang="fr-FR" dirty="0">
-                <a:latin typeface="Agency FB" panose="020B0503020202020204" pitchFamily="34" charset="0"/>
-              </a:rPr>
-              <a:t>=</a:t>
-            </a:r>
-            <a:r>
-              <a:rPr lang="fr-FR" dirty="0">
-                <a:solidFill>
-                  <a:srgbClr val="FF0000"/>
-                </a:solidFill>
-                <a:latin typeface="Agency FB" panose="020B0503020202020204" pitchFamily="34" charset="0"/>
-              </a:rPr>
-              <a:t>TRUE</a:t>
-            </a:r>
-            <a:r>
-              <a:rPr lang="fr-FR" dirty="0">
-                <a:latin typeface="Agency FB" panose="020B0503020202020204" pitchFamily="34" charset="0"/>
-              </a:rPr>
-              <a:t>)</a:t>
-            </a:r>
-            <a:endParaRPr lang="fr-FR" dirty="0"/>
-          </a:p>
-        </p:txBody>
-      </p:sp>
-    </p:spTree>
-    <p:extLst>
-      <p:ext uri="{BB962C8B-B14F-4D97-AF65-F5344CB8AC3E}">
-        <p14:creationId xmlns:p14="http://schemas.microsoft.com/office/powerpoint/2010/main" val="845266628"/>
-      </p:ext>
-    </p:extLst>
-  </p:cSld>
-  <p:clrMapOvr>
-    <a:masterClrMapping/>
-  </p:clrMapOvr>
-  <p:timing>
-    <p:tnLst>
-      <p:par>
-        <p:cTn id="1" dur="indefinite" restart="never" nodeType="tmRoot"/>
-      </p:par>
-    </p:tnLst>
-  </p:timing>
-</p:sld>
-</file>
-
-<file path=ppt/slides/slide3.xml><?xml version="1.0" encoding="utf-8"?>
-<p:sld xmlns:a="http://schemas.openxmlformats.org/drawingml/2006/main" xmlns:r="http://schemas.openxmlformats.org/officeDocument/2006/relationships" xmlns:p="http://schemas.openxmlformats.org/presentationml/2006/main">
-  <p:cSld>
-    <p:spTree>
-      <p:nvGrpSpPr>
-        <p:cNvPr id="1" name=""/>
-        <p:cNvGrpSpPr/>
-        <p:nvPr/>
-      </p:nvGrpSpPr>
-      <p:grpSpPr>
-        <a:xfrm>
-          <a:off x="0" y="0"/>
-          <a:ext cx="0" cy="0"/>
-          <a:chOff x="0" y="0"/>
-          <a:chExt cx="0" cy="0"/>
-        </a:xfrm>
-      </p:grpSpPr>
-      <p:sp>
-        <p:nvSpPr>
-          <p:cNvPr id="2" name="Titre 1"/>
-          <p:cNvSpPr>
-            <a:spLocks noGrp="1"/>
-          </p:cNvSpPr>
-          <p:nvPr>
-            <p:ph type="title"/>
-          </p:nvPr>
+              <a:rPr lang="fr-FR" sz="1000" dirty="0" smtClean="0"/>
+              <a:t>Convertit un tableau de données en objet R</a:t>
+            </a:r>
+            <a:endParaRPr lang="fr-FR" sz="1000" dirty="0"/>
+          </a:p>
+        </p:txBody>
+      </p:sp>
+      <p:sp>
+        <p:nvSpPr>
+          <p:cNvPr id="9" name="ZoneTexte 8"/>
+          <p:cNvSpPr txBox="1"/>
+          <p:nvPr/>
         </p:nvSpPr>
         <p:spPr>
           <a:xfrm>
-            <a:off x="685355" y="481263"/>
-            <a:ext cx="8596668" cy="1320800"/>
-          </a:xfrm>
-        </p:spPr>
-        <p:txBody>
-          <a:bodyPr/>
-          <a:lstStyle/>
-          <a:p>
-            <a:r>
-              <a:rPr lang="fr-FR" dirty="0" smtClean="0"/>
-              <a:t>Segmentation</a:t>
-            </a:r>
-            <a:br>
-              <a:rPr lang="fr-FR" dirty="0" smtClean="0"/>
-            </a:br>
-            <a:endParaRPr lang="fr-FR" dirty="0"/>
-          </a:p>
-        </p:txBody>
-      </p:sp>
-      <p:sp>
-        <p:nvSpPr>
-          <p:cNvPr id="6" name="Espace réservé du contenu 5"/>
-          <p:cNvSpPr>
-            <a:spLocks noGrp="1"/>
-          </p:cNvSpPr>
-          <p:nvPr>
-            <p:ph idx="1"/>
-          </p:nvPr>
-        </p:nvSpPr>
-        <p:spPr/>
-        <p:txBody>
-          <a:bodyPr/>
-          <a:lstStyle/>
-          <a:p>
-            <a:endParaRPr lang="fr-FR"/>
-          </a:p>
-        </p:txBody>
-      </p:sp>
-      <p:sp>
-        <p:nvSpPr>
-          <p:cNvPr id="3" name="ZoneTexte 2"/>
-          <p:cNvSpPr txBox="1"/>
-          <p:nvPr/>
-        </p:nvSpPr>
-        <p:spPr>
-          <a:xfrm>
-            <a:off x="1123513" y="1427328"/>
-            <a:ext cx="7720351" cy="369332"/>
+            <a:off x="2234122" y="1183897"/>
+            <a:ext cx="1515276" cy="1477328"/>
           </a:xfrm>
           <a:prstGeom prst="rect">
             <a:avLst/>
@@ -6220,249 +6084,45 @@
           <a:lstStyle/>
           <a:p>
             <a:r>
-              <a:rPr lang="fr-FR" dirty="0" err="1" smtClean="0">
-                <a:latin typeface="Agency FB" panose="020B0503020202020204" pitchFamily="34" charset="0"/>
-              </a:rPr>
-              <a:t>segmentData</a:t>
-            </a:r>
-            <a:r>
-              <a:rPr lang="fr-FR" dirty="0" smtClean="0">
-                <a:latin typeface="Agency FB" panose="020B0503020202020204" pitchFamily="34" charset="0"/>
-              </a:rPr>
-              <a:t>(data, </a:t>
-            </a:r>
-            <a:r>
-              <a:rPr lang="fr-FR" dirty="0" err="1">
-                <a:latin typeface="Agency FB" panose="020B0503020202020204" pitchFamily="34" charset="0"/>
-              </a:rPr>
-              <a:t>method</a:t>
-            </a:r>
-            <a:r>
-              <a:rPr lang="fr-FR" dirty="0">
-                <a:latin typeface="Agency FB" panose="020B0503020202020204" pitchFamily="34" charset="0"/>
-              </a:rPr>
-              <a:t>="</a:t>
-            </a:r>
-            <a:r>
-              <a:rPr lang="fr-FR" dirty="0" err="1">
-                <a:solidFill>
-                  <a:srgbClr val="FF0000"/>
-                </a:solidFill>
-                <a:latin typeface="Agency FB" panose="020B0503020202020204" pitchFamily="34" charset="0"/>
-              </a:rPr>
-              <a:t>DNAcopy</a:t>
-            </a:r>
-            <a:r>
-              <a:rPr lang="fr-FR" dirty="0">
-                <a:latin typeface="Agency FB" panose="020B0503020202020204" pitchFamily="34" charset="0"/>
-              </a:rPr>
-              <a:t>",</a:t>
-            </a:r>
-            <a:r>
-              <a:rPr lang="fr-FR" dirty="0" err="1">
-                <a:latin typeface="Agency FB" panose="020B0503020202020204" pitchFamily="34" charset="0"/>
-              </a:rPr>
-              <a:t>undo.splits</a:t>
-            </a:r>
-            <a:r>
-              <a:rPr lang="fr-FR" dirty="0">
-                <a:latin typeface="Agency FB" panose="020B0503020202020204" pitchFamily="34" charset="0"/>
-              </a:rPr>
-              <a:t>="</a:t>
-            </a:r>
-            <a:r>
-              <a:rPr lang="fr-FR" dirty="0" err="1">
-                <a:solidFill>
-                  <a:srgbClr val="FF0000"/>
-                </a:solidFill>
-                <a:latin typeface="Agency FB" panose="020B0503020202020204" pitchFamily="34" charset="0"/>
-              </a:rPr>
-              <a:t>sdundo</a:t>
-            </a:r>
-            <a:r>
-              <a:rPr lang="fr-FR" dirty="0">
-                <a:latin typeface="Agency FB" panose="020B0503020202020204" pitchFamily="34" charset="0"/>
-              </a:rPr>
-              <a:t>",undo.SD=</a:t>
-            </a:r>
-            <a:r>
-              <a:rPr lang="fr-FR" dirty="0">
-                <a:solidFill>
-                  <a:srgbClr val="FF0000"/>
-                </a:solidFill>
-                <a:latin typeface="Agency FB" panose="020B0503020202020204" pitchFamily="34" charset="0"/>
-              </a:rPr>
-              <a:t>3</a:t>
-            </a:r>
-            <a:r>
-              <a:rPr lang="fr-FR" dirty="0">
-                <a:latin typeface="Agency FB" panose="020B0503020202020204" pitchFamily="34" charset="0"/>
-              </a:rPr>
-              <a:t>, </a:t>
-            </a:r>
-            <a:r>
-              <a:rPr lang="fr-FR" dirty="0" err="1">
-                <a:latin typeface="Agency FB" panose="020B0503020202020204" pitchFamily="34" charset="0"/>
-              </a:rPr>
-              <a:t>clen</a:t>
-            </a:r>
-            <a:r>
-              <a:rPr lang="fr-FR" dirty="0">
-                <a:latin typeface="Agency FB" panose="020B0503020202020204" pitchFamily="34" charset="0"/>
-              </a:rPr>
-              <a:t>=</a:t>
-            </a:r>
-            <a:r>
-              <a:rPr lang="fr-FR" dirty="0">
-                <a:solidFill>
-                  <a:srgbClr val="FF0000"/>
-                </a:solidFill>
-                <a:latin typeface="Agency FB" panose="020B0503020202020204" pitchFamily="34" charset="0"/>
-              </a:rPr>
-              <a:t>10</a:t>
-            </a:r>
-            <a:r>
-              <a:rPr lang="fr-FR" dirty="0">
-                <a:latin typeface="Agency FB" panose="020B0503020202020204" pitchFamily="34" charset="0"/>
-              </a:rPr>
-              <a:t>, </a:t>
-            </a:r>
-            <a:r>
-              <a:rPr lang="fr-FR" dirty="0" err="1">
-                <a:latin typeface="Agency FB" panose="020B0503020202020204" pitchFamily="34" charset="0"/>
-              </a:rPr>
-              <a:t>relSDlong</a:t>
-            </a:r>
-            <a:r>
-              <a:rPr lang="fr-FR" dirty="0">
-                <a:latin typeface="Agency FB" panose="020B0503020202020204" pitchFamily="34" charset="0"/>
-              </a:rPr>
-              <a:t>=</a:t>
-            </a:r>
-            <a:r>
-              <a:rPr lang="fr-FR" dirty="0">
-                <a:solidFill>
-                  <a:srgbClr val="FF0000"/>
-                </a:solidFill>
-                <a:latin typeface="Agency FB" panose="020B0503020202020204" pitchFamily="34" charset="0"/>
-              </a:rPr>
-              <a:t>5</a:t>
-            </a:r>
-            <a:r>
-              <a:rPr lang="fr-FR" dirty="0">
-                <a:latin typeface="Agency FB" panose="020B0503020202020204" pitchFamily="34" charset="0"/>
-              </a:rPr>
-              <a:t>)</a:t>
-            </a:r>
-          </a:p>
-        </p:txBody>
-      </p:sp>
-    </p:spTree>
-    <p:extLst>
-      <p:ext uri="{BB962C8B-B14F-4D97-AF65-F5344CB8AC3E}">
-        <p14:creationId xmlns:p14="http://schemas.microsoft.com/office/powerpoint/2010/main" val="2768489143"/>
-      </p:ext>
-    </p:extLst>
-  </p:cSld>
-  <p:clrMapOvr>
-    <a:masterClrMapping/>
-  </p:clrMapOvr>
-  <p:timing>
-    <p:tnLst>
-      <p:par>
-        <p:cTn id="1" dur="indefinite" restart="never" nodeType="tmRoot"/>
-      </p:par>
-    </p:tnLst>
-  </p:timing>
-</p:sld>
-</file>
-
-<file path=ppt/slides/slide4.xml><?xml version="1.0" encoding="utf-8"?>
-<p:sld xmlns:a="http://schemas.openxmlformats.org/drawingml/2006/main" xmlns:r="http://schemas.openxmlformats.org/officeDocument/2006/relationships" xmlns:p="http://schemas.openxmlformats.org/presentationml/2006/main">
-  <p:cSld>
-    <p:spTree>
-      <p:nvGrpSpPr>
-        <p:cNvPr id="1" name=""/>
-        <p:cNvGrpSpPr/>
-        <p:nvPr/>
-      </p:nvGrpSpPr>
-      <p:grpSpPr>
-        <a:xfrm>
-          <a:off x="0" y="0"/>
-          <a:ext cx="0" cy="0"/>
-          <a:chOff x="0" y="0"/>
-          <a:chExt cx="0" cy="0"/>
-        </a:xfrm>
-      </p:grpSpPr>
-      <p:sp>
-        <p:nvSpPr>
-          <p:cNvPr id="2" name="Titre 1"/>
-          <p:cNvSpPr>
-            <a:spLocks noGrp="1"/>
-          </p:cNvSpPr>
-          <p:nvPr>
-            <p:ph type="title"/>
-          </p:nvPr>
+              <a:rPr lang="fr-FR" sz="1000" dirty="0" smtClean="0"/>
+              <a:t>- Retire les données incomplètes</a:t>
+            </a:r>
+          </a:p>
+          <a:p>
+            <a:r>
+              <a:rPr lang="fr-FR" sz="1000" dirty="0" smtClean="0"/>
+              <a:t>- Supprime les chromosomes spécifiés</a:t>
+            </a:r>
+          </a:p>
+          <a:p>
+            <a:pPr marL="171450" indent="-171450">
+              <a:buFontTx/>
+              <a:buChar char="-"/>
+            </a:pPr>
+            <a:r>
+              <a:rPr lang="fr-FR" sz="1000" dirty="0" smtClean="0"/>
+              <a:t>Estime les valeurs des données manquantes</a:t>
+            </a:r>
+          </a:p>
+          <a:p>
+            <a:r>
+              <a:rPr lang="fr-FR" sz="1000" dirty="0" smtClean="0"/>
+              <a:t>- Supprime les positions invalides</a:t>
+            </a:r>
+            <a:endParaRPr lang="fr-FR" sz="1000" dirty="0"/>
+          </a:p>
+        </p:txBody>
+      </p:sp>
+      <p:sp>
+        <p:nvSpPr>
+          <p:cNvPr id="10" name="ZoneTexte 9"/>
+          <p:cNvSpPr txBox="1"/>
+          <p:nvPr/>
         </p:nvSpPr>
         <p:spPr>
           <a:xfrm>
-            <a:off x="685355" y="481263"/>
-            <a:ext cx="8596668" cy="1320800"/>
-          </a:xfrm>
-        </p:spPr>
-        <p:txBody>
-          <a:bodyPr>
-            <a:normAutofit fontScale="90000"/>
-          </a:bodyPr>
-          <a:lstStyle/>
-          <a:p>
-            <a:r>
-              <a:rPr lang="fr-FR" dirty="0" smtClean="0"/>
-              <a:t>Deuxième normalisation</a:t>
-            </a:r>
-            <a:br>
-              <a:rPr lang="fr-FR" dirty="0" smtClean="0"/>
-            </a:br>
-            <a:r>
-              <a:rPr lang="fr-FR" dirty="0" smtClean="0"/>
-              <a:t/>
-            </a:r>
-            <a:br>
-              <a:rPr lang="fr-FR" dirty="0" smtClean="0"/>
-            </a:br>
-            <a:endParaRPr lang="fr-FR" dirty="0"/>
-          </a:p>
-        </p:txBody>
-      </p:sp>
-      <p:sp>
-        <p:nvSpPr>
-          <p:cNvPr id="4" name="Espace réservé du contenu 3"/>
-          <p:cNvSpPr>
-            <a:spLocks noGrp="1"/>
-          </p:cNvSpPr>
-          <p:nvPr>
-            <p:ph idx="1"/>
-          </p:nvPr>
-        </p:nvSpPr>
-        <p:spPr/>
-        <p:txBody>
-          <a:bodyPr/>
-          <a:lstStyle/>
-          <a:p>
-            <a:endParaRPr lang="fr-FR" dirty="0"/>
-          </a:p>
-        </p:txBody>
-      </p:sp>
-      <p:sp>
-        <p:nvSpPr>
-          <p:cNvPr id="3" name="ZoneTexte 2"/>
-          <p:cNvSpPr txBox="1"/>
-          <p:nvPr/>
-        </p:nvSpPr>
-        <p:spPr>
-          <a:xfrm>
-            <a:off x="1123513" y="1427328"/>
-            <a:ext cx="7720351" cy="369332"/>
+            <a:off x="3878304" y="1434803"/>
+            <a:ext cx="1347537" cy="1015663"/>
           </a:xfrm>
           <a:prstGeom prst="rect">
             <a:avLst/>
@@ -6475,34 +6135,477 @@
           </a:bodyPr>
           <a:lstStyle/>
           <a:p>
-            <a:r>
-              <a:rPr lang="fr-FR" dirty="0">
-                <a:latin typeface="Agency FB" panose="020B0503020202020204" pitchFamily="34" charset="0"/>
-              </a:rPr>
-              <a:t> </a:t>
-            </a:r>
-            <a:r>
-              <a:rPr lang="fr-FR" dirty="0" err="1" smtClean="0">
-                <a:latin typeface="Agency FB" panose="020B0503020202020204" pitchFamily="34" charset="0"/>
-              </a:rPr>
-              <a:t>postsegnormalize</a:t>
-            </a:r>
-            <a:r>
-              <a:rPr lang="fr-FR" dirty="0" smtClean="0">
-                <a:latin typeface="Agency FB" panose="020B0503020202020204" pitchFamily="34" charset="0"/>
-              </a:rPr>
-              <a:t>(data)</a:t>
-            </a:r>
-            <a:endParaRPr lang="fr-FR" dirty="0">
-              <a:latin typeface="Agency FB" panose="020B0503020202020204" pitchFamily="34" charset="0"/>
-            </a:endParaRPr>
+            <a:pPr marL="171450" indent="-171450">
+              <a:buFontTx/>
+              <a:buChar char="-"/>
+            </a:pPr>
+            <a:r>
+              <a:rPr lang="fr-FR" sz="1000" dirty="0" smtClean="0"/>
+              <a:t>Normalisation par la médiane ou le mode</a:t>
+            </a:r>
+          </a:p>
+          <a:p>
+            <a:pPr marL="171450" indent="-171450">
+              <a:buFontTx/>
+              <a:buChar char="-"/>
+            </a:pPr>
+            <a:r>
+              <a:rPr lang="fr-FR" sz="1000" dirty="0" smtClean="0"/>
+              <a:t>Lissage des données extrêmes</a:t>
+            </a:r>
+            <a:endParaRPr lang="fr-FR" sz="1000" dirty="0"/>
+          </a:p>
+        </p:txBody>
+      </p:sp>
+      <p:sp>
+        <p:nvSpPr>
+          <p:cNvPr id="11" name="ZoneTexte 10"/>
+          <p:cNvSpPr txBox="1"/>
+          <p:nvPr/>
+        </p:nvSpPr>
+        <p:spPr>
+          <a:xfrm>
+            <a:off x="5487802" y="1378042"/>
+            <a:ext cx="1347537" cy="1015663"/>
+          </a:xfrm>
+          <a:prstGeom prst="rect">
+            <a:avLst/>
+          </a:prstGeom>
+          <a:noFill/>
+        </p:spPr>
+        <p:txBody>
+          <a:bodyPr wrap="square" rtlCol="0">
+            <a:spAutoFit/>
+          </a:bodyPr>
+          <a:lstStyle/>
+          <a:p>
+            <a:r>
+              <a:rPr lang="fr-FR" sz="1000" dirty="0" smtClean="0"/>
+              <a:t>Segmente les données en segments de même nombre de copies (utilisation de </a:t>
+            </a:r>
+            <a:r>
+              <a:rPr lang="fr-FR" sz="1000" dirty="0" err="1" smtClean="0"/>
+              <a:t>DNAcopy</a:t>
+            </a:r>
+            <a:r>
+              <a:rPr lang="fr-FR" sz="1000" dirty="0" smtClean="0"/>
+              <a:t>)</a:t>
+            </a:r>
+            <a:endParaRPr lang="fr-FR" sz="1000" dirty="0"/>
+          </a:p>
+        </p:txBody>
+      </p:sp>
+      <p:sp>
+        <p:nvSpPr>
+          <p:cNvPr id="12" name="ZoneTexte 11"/>
+          <p:cNvSpPr txBox="1"/>
+          <p:nvPr/>
+        </p:nvSpPr>
+        <p:spPr>
+          <a:xfrm>
+            <a:off x="7064319" y="1531930"/>
+            <a:ext cx="1347537" cy="707886"/>
+          </a:xfrm>
+          <a:prstGeom prst="rect">
+            <a:avLst/>
+          </a:prstGeom>
+          <a:noFill/>
+        </p:spPr>
+        <p:txBody>
+          <a:bodyPr wrap="square" rtlCol="0">
+            <a:spAutoFit/>
+          </a:bodyPr>
+          <a:lstStyle/>
+          <a:p>
+            <a:r>
+              <a:rPr lang="fr-FR" sz="1000" dirty="0" smtClean="0"/>
+              <a:t>Normalisation avancée: trouve le niveau zéro de manière récursive</a:t>
+            </a:r>
+            <a:endParaRPr lang="fr-FR" sz="1000" dirty="0"/>
+          </a:p>
+        </p:txBody>
+      </p:sp>
+      <p:sp>
+        <p:nvSpPr>
+          <p:cNvPr id="13" name="ZoneTexte 12"/>
+          <p:cNvSpPr txBox="1"/>
+          <p:nvPr/>
+        </p:nvSpPr>
+        <p:spPr>
+          <a:xfrm>
+            <a:off x="8543265" y="1357859"/>
+            <a:ext cx="1347537" cy="1169551"/>
+          </a:xfrm>
+          <a:prstGeom prst="rect">
+            <a:avLst/>
+          </a:prstGeom>
+          <a:noFill/>
+        </p:spPr>
+        <p:txBody>
+          <a:bodyPr wrap="square" rtlCol="0">
+            <a:spAutoFit/>
+          </a:bodyPr>
+          <a:lstStyle/>
+          <a:p>
+            <a:r>
+              <a:rPr lang="fr-FR" sz="1000" dirty="0" smtClean="0"/>
+              <a:t>Attribue à chaque segment un nombre de copies ayant un sens biologique. Utilise un modèle statistique de mélange</a:t>
+            </a:r>
+            <a:endParaRPr lang="fr-FR" sz="1000" dirty="0"/>
+          </a:p>
+        </p:txBody>
+      </p:sp>
+      <p:sp>
+        <p:nvSpPr>
+          <p:cNvPr id="14" name="ZoneTexte 13"/>
+          <p:cNvSpPr txBox="1"/>
+          <p:nvPr/>
+        </p:nvSpPr>
+        <p:spPr>
+          <a:xfrm>
+            <a:off x="10022211" y="1685818"/>
+            <a:ext cx="1347537" cy="400110"/>
+          </a:xfrm>
+          <a:prstGeom prst="rect">
+            <a:avLst/>
+          </a:prstGeom>
+          <a:noFill/>
+        </p:spPr>
+        <p:txBody>
+          <a:bodyPr wrap="square" rtlCol="0">
+            <a:spAutoFit/>
+          </a:bodyPr>
+          <a:lstStyle/>
+          <a:p>
+            <a:r>
+              <a:rPr lang="fr-FR" sz="1000" dirty="0" smtClean="0"/>
+              <a:t>Convertit le résultat en objet R</a:t>
+            </a:r>
+            <a:endParaRPr lang="fr-FR" sz="1000" dirty="0"/>
+          </a:p>
+        </p:txBody>
+      </p:sp>
+      <p:sp>
+        <p:nvSpPr>
+          <p:cNvPr id="16" name="Rectangle 15"/>
+          <p:cNvSpPr/>
+          <p:nvPr/>
+        </p:nvSpPr>
+        <p:spPr>
+          <a:xfrm>
+            <a:off x="1752295" y="4247789"/>
+            <a:ext cx="3718063" cy="813496"/>
+          </a:xfrm>
+          <a:prstGeom prst="rect">
+            <a:avLst/>
+          </a:prstGeom>
+          <a:solidFill>
+            <a:schemeClr val="accent1">
+              <a:lumMod val="20000"/>
+              <a:lumOff val="80000"/>
+            </a:schemeClr>
+          </a:solidFill>
+        </p:spPr>
+        <p:style>
+          <a:lnRef idx="2">
+            <a:schemeClr val="accent1">
+              <a:shade val="50000"/>
+            </a:schemeClr>
+          </a:lnRef>
+          <a:fillRef idx="1">
+            <a:schemeClr val="accent1"/>
+          </a:fillRef>
+          <a:effectRef idx="0">
+            <a:schemeClr val="accent1"/>
+          </a:effectRef>
+          <a:fontRef idx="minor">
+            <a:schemeClr val="lt1"/>
+          </a:fontRef>
+        </p:style>
+        <p:txBody>
+          <a:bodyPr rtlCol="0" anchor="ctr"/>
+          <a:lstStyle/>
+          <a:p>
+            <a:pPr algn="ctr"/>
+            <a:endParaRPr lang="fr-FR" dirty="0"/>
+          </a:p>
+        </p:txBody>
+      </p:sp>
+      <p:sp>
+        <p:nvSpPr>
+          <p:cNvPr id="17" name="ZoneTexte 16"/>
+          <p:cNvSpPr txBox="1"/>
+          <p:nvPr/>
+        </p:nvSpPr>
+        <p:spPr>
+          <a:xfrm>
+            <a:off x="2595225" y="4531423"/>
+            <a:ext cx="2574758" cy="246221"/>
+          </a:xfrm>
+          <a:prstGeom prst="rect">
+            <a:avLst/>
+          </a:prstGeom>
+          <a:noFill/>
+        </p:spPr>
+        <p:txBody>
+          <a:bodyPr wrap="square" rtlCol="0">
+            <a:spAutoFit/>
+          </a:bodyPr>
+          <a:lstStyle/>
+          <a:p>
+            <a:r>
+              <a:rPr lang="fr-FR" sz="1000" dirty="0" smtClean="0"/>
+              <a:t>Contient les données de log ratio</a:t>
+            </a:r>
+          </a:p>
+        </p:txBody>
+      </p:sp>
+      <p:sp>
+        <p:nvSpPr>
+          <p:cNvPr id="18" name="Rectangle 17"/>
+          <p:cNvSpPr/>
+          <p:nvPr/>
+        </p:nvSpPr>
+        <p:spPr>
+          <a:xfrm>
+            <a:off x="6411894" y="4247788"/>
+            <a:ext cx="2318084" cy="813496"/>
+          </a:xfrm>
+          <a:prstGeom prst="rect">
+            <a:avLst/>
+          </a:prstGeom>
+          <a:solidFill>
+            <a:schemeClr val="accent1">
+              <a:lumMod val="20000"/>
+              <a:lumOff val="80000"/>
+            </a:schemeClr>
+          </a:solidFill>
+        </p:spPr>
+        <p:style>
+          <a:lnRef idx="2">
+            <a:schemeClr val="accent1">
+              <a:shade val="50000"/>
+            </a:schemeClr>
+          </a:lnRef>
+          <a:fillRef idx="1">
+            <a:schemeClr val="accent1"/>
+          </a:fillRef>
+          <a:effectRef idx="0">
+            <a:schemeClr val="accent1"/>
+          </a:effectRef>
+          <a:fontRef idx="minor">
+            <a:schemeClr val="lt1"/>
+          </a:fontRef>
+        </p:style>
+        <p:txBody>
+          <a:bodyPr rtlCol="0" anchor="ctr"/>
+          <a:lstStyle/>
+          <a:p>
+            <a:pPr algn="ctr"/>
+            <a:endParaRPr lang="fr-FR" dirty="0"/>
+          </a:p>
+        </p:txBody>
+      </p:sp>
+      <p:sp>
+        <p:nvSpPr>
+          <p:cNvPr id="19" name="ZoneTexte 18"/>
+          <p:cNvSpPr txBox="1"/>
+          <p:nvPr/>
+        </p:nvSpPr>
+        <p:spPr>
+          <a:xfrm>
+            <a:off x="6466035" y="4454478"/>
+            <a:ext cx="2209801" cy="400110"/>
+          </a:xfrm>
+          <a:prstGeom prst="rect">
+            <a:avLst/>
+          </a:prstGeom>
+          <a:noFill/>
+        </p:spPr>
+        <p:txBody>
+          <a:bodyPr wrap="square" rtlCol="0">
+            <a:spAutoFit/>
+          </a:bodyPr>
+          <a:lstStyle/>
+          <a:p>
+            <a:pPr algn="ctr"/>
+            <a:r>
+              <a:rPr lang="fr-FR" sz="1000" dirty="0" smtClean="0"/>
+              <a:t>Contient les données de log ratio et de segmentation</a:t>
+            </a:r>
+            <a:endParaRPr lang="fr-FR" sz="1000" dirty="0"/>
+          </a:p>
+        </p:txBody>
+      </p:sp>
+      <p:sp>
+        <p:nvSpPr>
+          <p:cNvPr id="20" name="Rectangle 19"/>
+          <p:cNvSpPr/>
+          <p:nvPr/>
+        </p:nvSpPr>
+        <p:spPr>
+          <a:xfrm>
+            <a:off x="9624778" y="4247788"/>
+            <a:ext cx="2169876" cy="813496"/>
+          </a:xfrm>
+          <a:prstGeom prst="rect">
+            <a:avLst/>
+          </a:prstGeom>
+          <a:solidFill>
+            <a:schemeClr val="accent1">
+              <a:lumMod val="20000"/>
+              <a:lumOff val="80000"/>
+            </a:schemeClr>
+          </a:solidFill>
+        </p:spPr>
+        <p:style>
+          <a:lnRef idx="2">
+            <a:schemeClr val="accent1">
+              <a:shade val="50000"/>
+            </a:schemeClr>
+          </a:lnRef>
+          <a:fillRef idx="1">
+            <a:schemeClr val="accent1"/>
+          </a:fillRef>
+          <a:effectRef idx="0">
+            <a:schemeClr val="accent1"/>
+          </a:effectRef>
+          <a:fontRef idx="minor">
+            <a:schemeClr val="lt1"/>
+          </a:fontRef>
+        </p:style>
+        <p:txBody>
+          <a:bodyPr rtlCol="0" anchor="ctr"/>
+          <a:lstStyle/>
+          <a:p>
+            <a:pPr algn="ctr"/>
+            <a:endParaRPr lang="fr-FR" dirty="0"/>
+          </a:p>
+        </p:txBody>
+      </p:sp>
+      <p:sp>
+        <p:nvSpPr>
+          <p:cNvPr id="22" name="ZoneTexte 21"/>
+          <p:cNvSpPr txBox="1"/>
+          <p:nvPr/>
+        </p:nvSpPr>
+        <p:spPr>
+          <a:xfrm>
+            <a:off x="9647405" y="4454479"/>
+            <a:ext cx="2124621" cy="400110"/>
+          </a:xfrm>
+          <a:prstGeom prst="rect">
+            <a:avLst/>
+          </a:prstGeom>
+          <a:noFill/>
+        </p:spPr>
+        <p:txBody>
+          <a:bodyPr wrap="square" rtlCol="0">
+            <a:spAutoFit/>
+          </a:bodyPr>
+          <a:lstStyle/>
+          <a:p>
+            <a:pPr algn="ctr"/>
+            <a:r>
+              <a:rPr lang="fr-FR" sz="1000" dirty="0" smtClean="0"/>
+              <a:t>Contient les données de log ratio, de segmentation, et de call</a:t>
+            </a:r>
+            <a:endParaRPr lang="fr-FR" sz="1000" dirty="0"/>
+          </a:p>
+        </p:txBody>
+      </p:sp>
+      <p:sp>
+        <p:nvSpPr>
+          <p:cNvPr id="21" name="Rectangle 20"/>
+          <p:cNvSpPr/>
+          <p:nvPr/>
+        </p:nvSpPr>
+        <p:spPr>
+          <a:xfrm>
+            <a:off x="160421" y="4247788"/>
+            <a:ext cx="1113755" cy="813496"/>
+          </a:xfrm>
+          <a:prstGeom prst="rect">
+            <a:avLst/>
+          </a:prstGeom>
+          <a:solidFill>
+            <a:schemeClr val="accent1">
+              <a:lumMod val="20000"/>
+              <a:lumOff val="80000"/>
+            </a:schemeClr>
+          </a:solidFill>
+        </p:spPr>
+        <p:style>
+          <a:lnRef idx="2">
+            <a:schemeClr val="accent1">
+              <a:shade val="50000"/>
+            </a:schemeClr>
+          </a:lnRef>
+          <a:fillRef idx="1">
+            <a:schemeClr val="accent1"/>
+          </a:fillRef>
+          <a:effectRef idx="0">
+            <a:schemeClr val="accent1"/>
+          </a:effectRef>
+          <a:fontRef idx="minor">
+            <a:schemeClr val="lt1"/>
+          </a:fontRef>
+        </p:style>
+        <p:txBody>
+          <a:bodyPr rtlCol="0" anchor="ctr"/>
+          <a:lstStyle/>
+          <a:p>
+            <a:pPr algn="ctr"/>
+            <a:endParaRPr lang="fr-FR" dirty="0"/>
+          </a:p>
+        </p:txBody>
+      </p:sp>
+      <p:sp>
+        <p:nvSpPr>
+          <p:cNvPr id="23" name="ZoneTexte 22"/>
+          <p:cNvSpPr txBox="1"/>
+          <p:nvPr/>
+        </p:nvSpPr>
+        <p:spPr>
+          <a:xfrm>
+            <a:off x="237612" y="4454479"/>
+            <a:ext cx="1036564" cy="400110"/>
+          </a:xfrm>
+          <a:prstGeom prst="rect">
+            <a:avLst/>
+          </a:prstGeom>
+          <a:noFill/>
+        </p:spPr>
+        <p:txBody>
+          <a:bodyPr wrap="square" rtlCol="0">
+            <a:spAutoFit/>
+          </a:bodyPr>
+          <a:lstStyle/>
+          <a:p>
+            <a:r>
+              <a:rPr lang="fr-FR" sz="1000" dirty="0" smtClean="0"/>
+              <a:t>.</a:t>
+            </a:r>
+            <a:r>
+              <a:rPr lang="fr-FR" sz="1000" dirty="0" err="1" smtClean="0"/>
+              <a:t>txt</a:t>
+            </a:r>
+            <a:r>
+              <a:rPr lang="fr-FR" sz="1000" dirty="0" smtClean="0"/>
+              <a:t> par sonde issu de </a:t>
+            </a:r>
+            <a:r>
+              <a:rPr lang="fr-FR" sz="1000" dirty="0" err="1" smtClean="0"/>
+              <a:t>ChAS</a:t>
+            </a:r>
+            <a:endParaRPr lang="fr-FR" sz="1000" dirty="0" smtClean="0"/>
           </a:p>
         </p:txBody>
       </p:sp>
     </p:spTree>
     <p:extLst>
       <p:ext uri="{BB962C8B-B14F-4D97-AF65-F5344CB8AC3E}">
-        <p14:creationId xmlns:p14="http://schemas.microsoft.com/office/powerpoint/2010/main" val="701775868"/>
+        <p14:creationId xmlns:p14="http://schemas.microsoft.com/office/powerpoint/2010/main" val="1410822500"/>
       </p:ext>
     </p:extLst>
   </p:cSld>
